--- a/Flight Delay Prediction.pptx
+++ b/Flight Delay Prediction.pptx
@@ -5,7 +5,7 @@
     <p:sldMasterId id="2147483696" r:id="rId4"/>
   </p:sldMasterIdLst>
   <p:notesMasterIdLst>
-    <p:notesMasterId r:id="rId14"/>
+    <p:notesMasterId r:id="rId15"/>
   </p:notesMasterIdLst>
   <p:sldIdLst>
     <p:sldId id="306" r:id="rId5"/>
@@ -14,9 +14,10 @@
     <p:sldId id="316" r:id="rId8"/>
     <p:sldId id="317" r:id="rId9"/>
     <p:sldId id="318" r:id="rId10"/>
-    <p:sldId id="319" r:id="rId11"/>
-    <p:sldId id="320" r:id="rId12"/>
-    <p:sldId id="312" r:id="rId13"/>
+    <p:sldId id="321" r:id="rId11"/>
+    <p:sldId id="319" r:id="rId12"/>
+    <p:sldId id="320" r:id="rId13"/>
+    <p:sldId id="312" r:id="rId14"/>
   </p:sldIdLst>
   <p:sldSz cx="12192000" cy="6858000"/>
   <p:notesSz cx="6858000" cy="9144000"/>
@@ -227,7 +228,7 @@
           <a:p>
             <a:fld id="{5EA28068-AFBD-4979-B752-9EB6F90B1386}" type="datetimeFigureOut">
               <a:rPr lang="en-US" smtClean="0"/>
-              <a:t>12/7/2020</a:t>
+              <a:t>1/22/2021</a:t>
             </a:fld>
             <a:endParaRPr lang="en-US" dirty="0"/>
           </a:p>
@@ -11383,6 +11384,305 @@
 </p:sld>
 </file>
 
+<file path=ppt/slides/slide10.xml><?xml version="1.0" encoding="utf-8"?>
+<p:sld xmlns:a="http://schemas.openxmlformats.org/drawingml/2006/main" xmlns:r="http://schemas.openxmlformats.org/officeDocument/2006/relationships" xmlns:p="http://schemas.openxmlformats.org/presentationml/2006/main">
+  <p:cSld>
+    <p:spTree>
+      <p:nvGrpSpPr>
+        <p:cNvPr id="1" name=""/>
+        <p:cNvGrpSpPr/>
+        <p:nvPr/>
+      </p:nvGrpSpPr>
+      <p:grpSpPr>
+        <a:xfrm>
+          <a:off x="0" y="0"/>
+          <a:ext cx="0" cy="0"/>
+          <a:chOff x="0" y="0"/>
+          <a:chExt cx="0" cy="0"/>
+        </a:xfrm>
+      </p:grpSpPr>
+      <p:sp>
+        <p:nvSpPr>
+          <p:cNvPr id="22" name="Date Placeholder 21">
+            <a:extLst>
+              <a:ext uri="{FF2B5EF4-FFF2-40B4-BE49-F238E27FC236}">
+                <a16:creationId xmlns:a16="http://schemas.microsoft.com/office/drawing/2014/main" id="{692474E6-3035-46B8-9C05-9B4204E8ED39}"/>
+              </a:ext>
+            </a:extLst>
+          </p:cNvPr>
+          <p:cNvSpPr>
+            <a:spLocks noGrp="1"/>
+          </p:cNvSpPr>
+          <p:nvPr>
+            <p:ph type="dt" sz="half" idx="10"/>
+          </p:nvPr>
+        </p:nvSpPr>
+        <p:spPr/>
+        <p:txBody>
+          <a:bodyPr/>
+          <a:lstStyle/>
+          <a:p>
+            <a:r>
+              <a:rPr lang="en-US" dirty="0"/>
+              <a:t>7/12/2020</a:t>
+            </a:r>
+          </a:p>
+        </p:txBody>
+      </p:sp>
+      <p:sp>
+        <p:nvSpPr>
+          <p:cNvPr id="24" name="Slide Number Placeholder 23">
+            <a:extLst>
+              <a:ext uri="{FF2B5EF4-FFF2-40B4-BE49-F238E27FC236}">
+                <a16:creationId xmlns:a16="http://schemas.microsoft.com/office/drawing/2014/main" id="{5D838446-B95D-4AB7-B8CA-D5804BB79A11}"/>
+              </a:ext>
+            </a:extLst>
+          </p:cNvPr>
+          <p:cNvSpPr>
+            <a:spLocks noGrp="1"/>
+          </p:cNvSpPr>
+          <p:nvPr>
+            <p:ph type="sldNum" sz="quarter" idx="12"/>
+          </p:nvPr>
+        </p:nvSpPr>
+        <p:spPr/>
+        <p:txBody>
+          <a:bodyPr/>
+          <a:lstStyle/>
+          <a:p>
+            <a:fld id="{D8DA9DAA-006C-4F4B-980E-E3DF019B24E2}" type="slidenum">
+              <a:rPr lang="en-US" smtClean="0"/>
+              <a:pPr/>
+              <a:t>10</a:t>
+            </a:fld>
+            <a:endParaRPr lang="en-US" dirty="0"/>
+          </a:p>
+        </p:txBody>
+      </p:sp>
+      <p:sp>
+        <p:nvSpPr>
+          <p:cNvPr id="23" name="Footer Placeholder 22">
+            <a:extLst>
+              <a:ext uri="{FF2B5EF4-FFF2-40B4-BE49-F238E27FC236}">
+                <a16:creationId xmlns:a16="http://schemas.microsoft.com/office/drawing/2014/main" id="{DE8D546E-0F46-4CC0-B2B1-8B2430D00C0C}"/>
+              </a:ext>
+            </a:extLst>
+          </p:cNvPr>
+          <p:cNvSpPr>
+            <a:spLocks noGrp="1"/>
+          </p:cNvSpPr>
+          <p:nvPr>
+            <p:ph type="ftr" sz="quarter" idx="11"/>
+          </p:nvPr>
+        </p:nvSpPr>
+        <p:spPr/>
+        <p:txBody>
+          <a:bodyPr/>
+          <a:lstStyle/>
+          <a:p>
+            <a:r>
+              <a:rPr lang="en-US" sz="1200" spc="400" dirty="0">
+                <a:solidFill>
+                  <a:schemeClr val="bg1"/>
+                </a:solidFill>
+              </a:rPr>
+              <a:t>Flight Delay Prediction</a:t>
+            </a:r>
+            <a:endParaRPr lang="en-US" dirty="0"/>
+          </a:p>
+        </p:txBody>
+      </p:sp>
+      <p:pic>
+        <p:nvPicPr>
+          <p:cNvPr id="9" name="Picture Placeholder 8" descr="mountains at sunset">
+            <a:extLst>
+              <a:ext uri="{FF2B5EF4-FFF2-40B4-BE49-F238E27FC236}">
+                <a16:creationId xmlns:a16="http://schemas.microsoft.com/office/drawing/2014/main" id="{C82DA925-978C-48A9-98AD-0653B7A3D2D9}"/>
+              </a:ext>
+            </a:extLst>
+          </p:cNvPr>
+          <p:cNvPicPr>
+            <a:picLocks noGrp="1" noChangeAspect="1"/>
+          </p:cNvPicPr>
+          <p:nvPr>
+            <p:ph type="pic" sz="quarter" idx="14"/>
+          </p:nvPr>
+        </p:nvPicPr>
+        <p:blipFill rotWithShape="1">
+          <a:blip r:embed="rId2"/>
+          <a:srcRect t="41" b="41"/>
+          <a:stretch/>
+        </p:blipFill>
+        <p:spPr/>
+      </p:pic>
+      <p:pic>
+        <p:nvPicPr>
+          <p:cNvPr id="11" name="Picture Placeholder 10" descr="mountains at sunset">
+            <a:extLst>
+              <a:ext uri="{FF2B5EF4-FFF2-40B4-BE49-F238E27FC236}">
+                <a16:creationId xmlns:a16="http://schemas.microsoft.com/office/drawing/2014/main" id="{E63B7C3F-04A4-43F6-881D-FA11061CBAFA}"/>
+              </a:ext>
+            </a:extLst>
+          </p:cNvPr>
+          <p:cNvPicPr>
+            <a:picLocks noGrp="1" noChangeAspect="1"/>
+          </p:cNvPicPr>
+          <p:nvPr>
+            <p:ph type="pic" sz="quarter" idx="15"/>
+          </p:nvPr>
+        </p:nvPicPr>
+        <p:blipFill rotWithShape="1">
+          <a:blip r:embed="rId3"/>
+          <a:srcRect t="347" b="347"/>
+          <a:stretch/>
+        </p:blipFill>
+        <p:spPr/>
+      </p:pic>
+      <p:sp>
+        <p:nvSpPr>
+          <p:cNvPr id="6" name="Title 5">
+            <a:extLst>
+              <a:ext uri="{FF2B5EF4-FFF2-40B4-BE49-F238E27FC236}">
+                <a16:creationId xmlns:a16="http://schemas.microsoft.com/office/drawing/2014/main" id="{FF777B66-94CB-491C-AC6B-BDAC98E21D57}"/>
+              </a:ext>
+            </a:extLst>
+          </p:cNvPr>
+          <p:cNvSpPr>
+            <a:spLocks noGrp="1"/>
+          </p:cNvSpPr>
+          <p:nvPr>
+            <p:ph type="title"/>
+          </p:nvPr>
+        </p:nvSpPr>
+        <p:spPr>
+          <a:xfrm>
+            <a:off x="5760720" y="602971"/>
+            <a:ext cx="5276088" cy="2276856"/>
+          </a:xfrm>
+        </p:spPr>
+        <p:txBody>
+          <a:bodyPr/>
+          <a:lstStyle/>
+          <a:p>
+            <a:r>
+              <a:rPr lang="en-US" dirty="0"/>
+              <a:t>Thank you</a:t>
+            </a:r>
+          </a:p>
+        </p:txBody>
+      </p:sp>
+      <p:sp>
+        <p:nvSpPr>
+          <p:cNvPr id="7" name="Text Placeholder 6">
+            <a:extLst>
+              <a:ext uri="{FF2B5EF4-FFF2-40B4-BE49-F238E27FC236}">
+                <a16:creationId xmlns:a16="http://schemas.microsoft.com/office/drawing/2014/main" id="{42AF1107-8D35-4E35-93C7-D3640946F742}"/>
+              </a:ext>
+            </a:extLst>
+          </p:cNvPr>
+          <p:cNvSpPr>
+            <a:spLocks noGrp="1"/>
+          </p:cNvSpPr>
+          <p:nvPr>
+            <p:ph type="body" sz="quarter" idx="13"/>
+          </p:nvPr>
+        </p:nvSpPr>
+        <p:spPr>
+          <a:xfrm>
+            <a:off x="5760720" y="3127248"/>
+            <a:ext cx="5276088" cy="1187300"/>
+          </a:xfrm>
+        </p:spPr>
+        <p:txBody>
+          <a:bodyPr>
+            <a:normAutofit fontScale="85000" lnSpcReduction="20000"/>
+          </a:bodyPr>
+          <a:lstStyle/>
+          <a:p>
+            <a:r>
+              <a:rPr lang="en-US" dirty="0"/>
+              <a:t>Krishna Chaitanya 57</a:t>
+            </a:r>
+          </a:p>
+          <a:p>
+            <a:r>
+              <a:rPr lang="en-US" dirty="0"/>
+              <a:t>Amruth 46</a:t>
+            </a:r>
+          </a:p>
+          <a:p>
+            <a:r>
+              <a:rPr lang="en-US" dirty="0"/>
+              <a:t>Surya 52</a:t>
+            </a:r>
+          </a:p>
+          <a:p>
+            <a:r>
+              <a:rPr lang="en-US" dirty="0"/>
+              <a:t>Aditi Shree 04</a:t>
+            </a:r>
+          </a:p>
+        </p:txBody>
+      </p:sp>
+      <p:pic>
+        <p:nvPicPr>
+          <p:cNvPr id="15" name="Picture Placeholder 14" descr="mountains under near dusk sky">
+            <a:extLst>
+              <a:ext uri="{FF2B5EF4-FFF2-40B4-BE49-F238E27FC236}">
+                <a16:creationId xmlns:a16="http://schemas.microsoft.com/office/drawing/2014/main" id="{3D15FDC1-74B5-4FD8-BD17-0E2502C411A6}"/>
+              </a:ext>
+            </a:extLst>
+          </p:cNvPr>
+          <p:cNvPicPr>
+            <a:picLocks noGrp="1" noChangeAspect="1"/>
+          </p:cNvPicPr>
+          <p:nvPr>
+            <p:ph type="pic" sz="quarter" idx="17"/>
+          </p:nvPr>
+        </p:nvPicPr>
+        <p:blipFill rotWithShape="1">
+          <a:blip r:embed="rId4"/>
+          <a:srcRect l="16" r="16"/>
+          <a:stretch/>
+        </p:blipFill>
+        <p:spPr/>
+      </p:pic>
+      <p:pic>
+        <p:nvPicPr>
+          <p:cNvPr id="13" name="Picture Placeholder 12" descr="mountains under the night sky just before dawn">
+            <a:extLst>
+              <a:ext uri="{FF2B5EF4-FFF2-40B4-BE49-F238E27FC236}">
+                <a16:creationId xmlns:a16="http://schemas.microsoft.com/office/drawing/2014/main" id="{E02C4914-F076-4415-9C5D-A9BDB6CC6110}"/>
+              </a:ext>
+            </a:extLst>
+          </p:cNvPr>
+          <p:cNvPicPr>
+            <a:picLocks noGrp="1" noChangeAspect="1"/>
+          </p:cNvPicPr>
+          <p:nvPr>
+            <p:ph type="pic" sz="quarter" idx="16"/>
+          </p:nvPr>
+        </p:nvPicPr>
+        <p:blipFill rotWithShape="1">
+          <a:blip r:embed="rId5"/>
+          <a:srcRect t="108" b="108"/>
+          <a:stretch/>
+        </p:blipFill>
+        <p:spPr/>
+      </p:pic>
+    </p:spTree>
+    <p:extLst>
+      <p:ext uri="{BB962C8B-B14F-4D97-AF65-F5344CB8AC3E}">
+        <p14:creationId xmlns:p14="http://schemas.microsoft.com/office/powerpoint/2010/main" val="927313156"/>
+      </p:ext>
+    </p:extLst>
+  </p:cSld>
+  <p:clrMapOvr>
+    <a:masterClrMapping/>
+  </p:clrMapOvr>
+</p:sld>
+</file>
+
 <file path=ppt/slides/slide2.xml><?xml version="1.0" encoding="utf-8"?>
 <p:sld xmlns:a="http://schemas.openxmlformats.org/drawingml/2006/main" xmlns:r="http://schemas.openxmlformats.org/officeDocument/2006/relationships" xmlns:p="http://schemas.openxmlformats.org/presentationml/2006/main">
   <p:cSld>
@@ -12807,7 +13107,7 @@
           <p:cNvPr id="2" name="Title 1">
             <a:extLst>
               <a:ext uri="{FF2B5EF4-FFF2-40B4-BE49-F238E27FC236}">
-                <a16:creationId xmlns:a16="http://schemas.microsoft.com/office/drawing/2014/main" id="{737E0D2F-F7A9-45B9-B993-B430FEEE5454}"/>
+                <a16:creationId xmlns:a16="http://schemas.microsoft.com/office/drawing/2014/main" id="{BF7DA9E9-3989-4213-8D06-E78A275D1C12}"/>
               </a:ext>
             </a:extLst>
           </p:cNvPr>
@@ -12820,266 +13120,13 @@
         </p:nvSpPr>
         <p:spPr/>
         <p:txBody>
-          <a:bodyPr>
-            <a:noAutofit/>
-          </a:bodyPr>
-          <a:lstStyle/>
-          <a:p>
-            <a:r>
-              <a:rPr lang="en-US" sz="4800" b="1" dirty="0">
-                <a:solidFill>
-                  <a:srgbClr val="000000"/>
-                </a:solidFill>
-                <a:effectLst/>
-                <a:ea typeface="Calibri" panose="020F0502020204030204" pitchFamily="34" charset="0"/>
-                <a:cs typeface="Times New Roman" panose="02020603050405020304" pitchFamily="18" charset="0"/>
-              </a:rPr>
-              <a:t>ADVANTAGES AND DISADVANTAGES</a:t>
-            </a:r>
-            <a:endParaRPr lang="en-IN" sz="4800" dirty="0"/>
-          </a:p>
-        </p:txBody>
-      </p:sp>
-      <p:sp>
-        <p:nvSpPr>
-          <p:cNvPr id="3" name="Content Placeholder 2">
-            <a:extLst>
-              <a:ext uri="{FF2B5EF4-FFF2-40B4-BE49-F238E27FC236}">
-                <a16:creationId xmlns:a16="http://schemas.microsoft.com/office/drawing/2014/main" id="{985BE3A8-7523-4321-A090-BE9A41729593}"/>
-              </a:ext>
-            </a:extLst>
-          </p:cNvPr>
-          <p:cNvSpPr>
-            <a:spLocks noGrp="1"/>
-          </p:cNvSpPr>
-          <p:nvPr>
-            <p:ph idx="1"/>
-          </p:nvPr>
-        </p:nvSpPr>
-        <p:spPr/>
-        <p:txBody>
           <a:bodyPr/>
           <a:lstStyle/>
           <a:p>
-            <a:pPr>
-              <a:lnSpc>
-                <a:spcPct val="115000"/>
-              </a:lnSpc>
-              <a:spcAft>
-                <a:spcPts val="1000"/>
-              </a:spcAft>
-            </a:pPr>
-            <a:r>
-              <a:rPr lang="en-US" sz="1800" b="1" dirty="0">
-                <a:solidFill>
-                  <a:srgbClr val="000000"/>
-                </a:solidFill>
-                <a:effectLst/>
-                <a:latin typeface="Calibri" panose="020F0502020204030204" pitchFamily="34" charset="0"/>
-                <a:ea typeface="Calibri" panose="020F0502020204030204" pitchFamily="34" charset="0"/>
-                <a:cs typeface="Times New Roman" panose="02020603050405020304" pitchFamily="18" charset="0"/>
-              </a:rPr>
-              <a:t>Advantages :</a:t>
-            </a:r>
-            <a:endParaRPr lang="en-IN" sz="1800" dirty="0">
-              <a:solidFill>
-                <a:srgbClr val="000000"/>
-              </a:solidFill>
-              <a:effectLst/>
-              <a:latin typeface="Calibri" panose="020F0502020204030204" pitchFamily="34" charset="0"/>
-              <a:ea typeface="Calibri" panose="020F0502020204030204" pitchFamily="34" charset="0"/>
-              <a:cs typeface="Times New Roman" panose="02020603050405020304" pitchFamily="18" charset="0"/>
-            </a:endParaRPr>
-          </a:p>
-          <a:p>
-            <a:pPr marL="342900" lvl="0" indent="-342900">
-              <a:lnSpc>
-                <a:spcPct val="115000"/>
-              </a:lnSpc>
-              <a:buFont typeface="Symbol" panose="05050102010706020507" pitchFamily="18" charset="2"/>
-              <a:buChar char=""/>
-            </a:pPr>
-            <a:r>
-              <a:rPr lang="en-US" sz="1800" dirty="0">
-                <a:solidFill>
-                  <a:srgbClr val="000000"/>
-                </a:solidFill>
-                <a:effectLst/>
-                <a:latin typeface="Calibri" panose="020F0502020204030204" pitchFamily="34" charset="0"/>
-                <a:ea typeface="Calibri" panose="020F0502020204030204" pitchFamily="34" charset="0"/>
-                <a:cs typeface="Times New Roman" panose="02020603050405020304" pitchFamily="18" charset="0"/>
-              </a:rPr>
-              <a:t>Perfect prediction of Risk along with the reason for Delay</a:t>
-            </a:r>
-            <a:endParaRPr lang="en-IN" sz="1800" dirty="0">
-              <a:solidFill>
-                <a:srgbClr val="000000"/>
-              </a:solidFill>
-              <a:effectLst/>
-              <a:latin typeface="Calibri" panose="020F0502020204030204" pitchFamily="34" charset="0"/>
-              <a:ea typeface="Calibri" panose="020F0502020204030204" pitchFamily="34" charset="0"/>
-              <a:cs typeface="Times New Roman" panose="02020603050405020304" pitchFamily="18" charset="0"/>
-            </a:endParaRPr>
-          </a:p>
-          <a:p>
-            <a:pPr marL="342900" lvl="0" indent="-342900">
-              <a:lnSpc>
-                <a:spcPct val="115000"/>
-              </a:lnSpc>
-              <a:buFont typeface="Symbol" panose="05050102010706020507" pitchFamily="18" charset="2"/>
-              <a:buChar char=""/>
-            </a:pPr>
-            <a:r>
-              <a:rPr lang="en-US" sz="1800" dirty="0">
-                <a:solidFill>
-                  <a:srgbClr val="000000"/>
-                </a:solidFill>
-                <a:effectLst/>
-                <a:latin typeface="Calibri" panose="020F0502020204030204" pitchFamily="34" charset="0"/>
-                <a:ea typeface="Calibri" panose="020F0502020204030204" pitchFamily="34" charset="0"/>
-                <a:cs typeface="Times New Roman" panose="02020603050405020304" pitchFamily="18" charset="0"/>
-              </a:rPr>
-              <a:t>Very Accurate Results</a:t>
-            </a:r>
-            <a:endParaRPr lang="en-IN" sz="1800" dirty="0">
-              <a:solidFill>
-                <a:srgbClr val="000000"/>
-              </a:solidFill>
-              <a:effectLst/>
-              <a:latin typeface="Calibri" panose="020F0502020204030204" pitchFamily="34" charset="0"/>
-              <a:ea typeface="Calibri" panose="020F0502020204030204" pitchFamily="34" charset="0"/>
-              <a:cs typeface="Times New Roman" panose="02020603050405020304" pitchFamily="18" charset="0"/>
-            </a:endParaRPr>
-          </a:p>
-          <a:p>
-            <a:pPr marL="342900" lvl="0" indent="-342900">
-              <a:lnSpc>
-                <a:spcPct val="115000"/>
-              </a:lnSpc>
-              <a:buFont typeface="Symbol" panose="05050102010706020507" pitchFamily="18" charset="2"/>
-              <a:buChar char=""/>
-            </a:pPr>
-            <a:r>
-              <a:rPr lang="en-US" sz="1800" dirty="0">
-                <a:solidFill>
-                  <a:srgbClr val="000000"/>
-                </a:solidFill>
-                <a:effectLst/>
-                <a:latin typeface="Calibri" panose="020F0502020204030204" pitchFamily="34" charset="0"/>
-                <a:ea typeface="Calibri" panose="020F0502020204030204" pitchFamily="34" charset="0"/>
-                <a:cs typeface="Times New Roman" panose="02020603050405020304" pitchFamily="18" charset="0"/>
-              </a:rPr>
-              <a:t>Extremely Easy Interface</a:t>
-            </a:r>
-            <a:endParaRPr lang="en-IN" sz="1800" dirty="0">
-              <a:solidFill>
-                <a:srgbClr val="000000"/>
-              </a:solidFill>
-              <a:effectLst/>
-              <a:latin typeface="Calibri" panose="020F0502020204030204" pitchFamily="34" charset="0"/>
-              <a:ea typeface="Calibri" panose="020F0502020204030204" pitchFamily="34" charset="0"/>
-              <a:cs typeface="Times New Roman" panose="02020603050405020304" pitchFamily="18" charset="0"/>
-            </a:endParaRPr>
-          </a:p>
-          <a:p>
-            <a:pPr marL="342900" lvl="0" indent="-342900">
-              <a:lnSpc>
-                <a:spcPct val="115000"/>
-              </a:lnSpc>
-              <a:spcAft>
-                <a:spcPts val="1000"/>
-              </a:spcAft>
-              <a:buFont typeface="Symbol" panose="05050102010706020507" pitchFamily="18" charset="2"/>
-              <a:buChar char=""/>
-            </a:pPr>
-            <a:r>
-              <a:rPr lang="en-US" sz="1800" dirty="0">
-                <a:solidFill>
-                  <a:srgbClr val="000000"/>
-                </a:solidFill>
-                <a:effectLst/>
-                <a:latin typeface="Calibri" panose="020F0502020204030204" pitchFamily="34" charset="0"/>
-                <a:ea typeface="Calibri" panose="020F0502020204030204" pitchFamily="34" charset="0"/>
-                <a:cs typeface="Times New Roman" panose="02020603050405020304" pitchFamily="18" charset="0"/>
-              </a:rPr>
-              <a:t>Straight Forward Results</a:t>
-            </a:r>
-            <a:endParaRPr lang="en-IN" sz="1800" dirty="0">
-              <a:solidFill>
-                <a:srgbClr val="000000"/>
-              </a:solidFill>
-              <a:effectLst/>
-              <a:latin typeface="Calibri" panose="020F0502020204030204" pitchFamily="34" charset="0"/>
-              <a:ea typeface="Calibri" panose="020F0502020204030204" pitchFamily="34" charset="0"/>
-              <a:cs typeface="Times New Roman" panose="02020603050405020304" pitchFamily="18" charset="0"/>
-            </a:endParaRPr>
-          </a:p>
-          <a:p>
-            <a:pPr>
-              <a:lnSpc>
-                <a:spcPct val="115000"/>
-              </a:lnSpc>
-              <a:spcAft>
-                <a:spcPts val="1000"/>
-              </a:spcAft>
-            </a:pPr>
-            <a:r>
-              <a:rPr lang="en-US" sz="1800" b="1" dirty="0">
-                <a:solidFill>
-                  <a:srgbClr val="000000"/>
-                </a:solidFill>
-                <a:effectLst/>
-                <a:latin typeface="Calibri" panose="020F0502020204030204" pitchFamily="34" charset="0"/>
-                <a:ea typeface="Calibri" panose="020F0502020204030204" pitchFamily="34" charset="0"/>
-                <a:cs typeface="Times New Roman" panose="02020603050405020304" pitchFamily="18" charset="0"/>
-              </a:rPr>
-              <a:t>Disadvantages :</a:t>
-            </a:r>
-            <a:endParaRPr lang="en-IN" sz="1800" dirty="0">
-              <a:solidFill>
-                <a:srgbClr val="000000"/>
-              </a:solidFill>
-              <a:effectLst/>
-              <a:latin typeface="Calibri" panose="020F0502020204030204" pitchFamily="34" charset="0"/>
-              <a:ea typeface="Calibri" panose="020F0502020204030204" pitchFamily="34" charset="0"/>
-              <a:cs typeface="Times New Roman" panose="02020603050405020304" pitchFamily="18" charset="0"/>
-            </a:endParaRPr>
-          </a:p>
-          <a:p>
-            <a:pPr marL="342900" lvl="0" indent="-342900">
-              <a:lnSpc>
-                <a:spcPct val="115000"/>
-              </a:lnSpc>
-              <a:spcAft>
-                <a:spcPts val="1000"/>
-              </a:spcAft>
-              <a:buFont typeface="Symbol" panose="05050102010706020507" pitchFamily="18" charset="2"/>
-              <a:buChar char=""/>
-            </a:pPr>
-            <a:r>
-              <a:rPr lang="en-US" sz="1800" dirty="0">
-                <a:solidFill>
-                  <a:srgbClr val="000000"/>
-                </a:solidFill>
-                <a:effectLst/>
-                <a:latin typeface="Calibri" panose="020F0502020204030204" pitchFamily="34" charset="0"/>
-                <a:ea typeface="Calibri" panose="020F0502020204030204" pitchFamily="34" charset="0"/>
-                <a:cs typeface="Times New Roman" panose="02020603050405020304" pitchFamily="18" charset="0"/>
-              </a:rPr>
-              <a:t>User Should have the idea on inputs</a:t>
-            </a:r>
-            <a:endParaRPr lang="en-IN" sz="1800" dirty="0">
-              <a:solidFill>
-                <a:srgbClr val="000000"/>
-              </a:solidFill>
-              <a:effectLst/>
-              <a:latin typeface="Calibri" panose="020F0502020204030204" pitchFamily="34" charset="0"/>
-              <a:ea typeface="Calibri" panose="020F0502020204030204" pitchFamily="34" charset="0"/>
-              <a:cs typeface="Times New Roman" panose="02020603050405020304" pitchFamily="18" charset="0"/>
-            </a:endParaRPr>
-          </a:p>
-          <a:p>
-            <a:endParaRPr lang="en-IN" dirty="0"/>
+            <a:r>
+              <a:rPr lang="en-IN" dirty="0"/>
+              <a:t>Flowchart</a:t>
+            </a:r>
           </a:p>
         </p:txBody>
       </p:sp>
@@ -13088,7 +13135,7 @@
           <p:cNvPr id="4" name="Slide Number Placeholder 3">
             <a:extLst>
               <a:ext uri="{FF2B5EF4-FFF2-40B4-BE49-F238E27FC236}">
-                <a16:creationId xmlns:a16="http://schemas.microsoft.com/office/drawing/2014/main" id="{0D0DC160-3EC7-4BEC-8D69-A2CBB5DD7603}"/>
+                <a16:creationId xmlns:a16="http://schemas.microsoft.com/office/drawing/2014/main" id="{3A74B4DC-5B05-49A6-B31C-B26AD3C2F759}"/>
               </a:ext>
             </a:extLst>
           </p:cNvPr>
@@ -13112,10 +13159,42 @@
           </a:p>
         </p:txBody>
       </p:sp>
+      <p:pic>
+        <p:nvPicPr>
+          <p:cNvPr id="5" name="Content Placeholder 4">
+            <a:extLst>
+              <a:ext uri="{FF2B5EF4-FFF2-40B4-BE49-F238E27FC236}">
+                <a16:creationId xmlns:a16="http://schemas.microsoft.com/office/drawing/2014/main" id="{F3135723-68CC-4130-8C6F-DB995ED45653}"/>
+              </a:ext>
+            </a:extLst>
+          </p:cNvPr>
+          <p:cNvPicPr>
+            <a:picLocks noGrp="1"/>
+          </p:cNvPicPr>
+          <p:nvPr>
+            <p:ph idx="1"/>
+          </p:nvPr>
+        </p:nvPicPr>
+        <p:blipFill>
+          <a:blip r:embed="rId2"/>
+          <a:stretch>
+            <a:fillRect/>
+          </a:stretch>
+        </p:blipFill>
+        <p:spPr>
+          <a:xfrm>
+            <a:off x="2458434" y="1847850"/>
+            <a:ext cx="7523766" cy="4351338"/>
+          </a:xfrm>
+          <a:prstGeom prst="rect">
+            <a:avLst/>
+          </a:prstGeom>
+        </p:spPr>
+      </p:pic>
     </p:spTree>
     <p:extLst>
       <p:ext uri="{BB962C8B-B14F-4D97-AF65-F5344CB8AC3E}">
-        <p14:creationId xmlns:p14="http://schemas.microsoft.com/office/powerpoint/2010/main" val="4283659712"/>
+        <p14:creationId xmlns:p14="http://schemas.microsoft.com/office/powerpoint/2010/main" val="3121499294"/>
       </p:ext>
     </p:extLst>
   </p:cSld>
@@ -13147,7 +13226,7 @@
           <p:cNvPr id="2" name="Title 1">
             <a:extLst>
               <a:ext uri="{FF2B5EF4-FFF2-40B4-BE49-F238E27FC236}">
-                <a16:creationId xmlns:a16="http://schemas.microsoft.com/office/drawing/2014/main" id="{A836590C-C324-4352-9980-82D0955783E2}"/>
+                <a16:creationId xmlns:a16="http://schemas.microsoft.com/office/drawing/2014/main" id="{737E0D2F-F7A9-45B9-B993-B430FEEE5454}"/>
               </a:ext>
             </a:extLst>
           </p:cNvPr>
@@ -13160,13 +13239,23 @@
         </p:nvSpPr>
         <p:spPr/>
         <p:txBody>
-          <a:bodyPr/>
+          <a:bodyPr>
+            <a:noAutofit/>
+          </a:bodyPr>
           <a:lstStyle/>
           <a:p>
             <a:r>
-              <a:rPr lang="en-IN" dirty="0"/>
-              <a:t>Conclusion</a:t>
-            </a:r>
+              <a:rPr lang="en-US" sz="4800" b="1" dirty="0">
+                <a:solidFill>
+                  <a:srgbClr val="000000"/>
+                </a:solidFill>
+                <a:effectLst/>
+                <a:ea typeface="Calibri" panose="020F0502020204030204" pitchFamily="34" charset="0"/>
+                <a:cs typeface="Times New Roman" panose="02020603050405020304" pitchFamily="18" charset="0"/>
+              </a:rPr>
+              <a:t>ADVANTAGES AND DISADVANTAGES</a:t>
+            </a:r>
+            <a:endParaRPr lang="en-IN" sz="4800" dirty="0"/>
           </a:p>
         </p:txBody>
       </p:sp>
@@ -13175,7 +13264,7 @@
           <p:cNvPr id="3" name="Content Placeholder 2">
             <a:extLst>
               <a:ext uri="{FF2B5EF4-FFF2-40B4-BE49-F238E27FC236}">
-                <a16:creationId xmlns:a16="http://schemas.microsoft.com/office/drawing/2014/main" id="{594A9027-882F-4E3A-8E9C-6B113536A593}"/>
+                <a16:creationId xmlns:a16="http://schemas.microsoft.com/office/drawing/2014/main" id="{985BE3A8-7523-4321-A090-BE9A41729593}"/>
               </a:ext>
             </a:extLst>
           </p:cNvPr>
@@ -13188,9 +13277,7 @@
         </p:nvSpPr>
         <p:spPr/>
         <p:txBody>
-          <a:bodyPr>
-            <a:normAutofit lnSpcReduction="10000"/>
-          </a:bodyPr>
+          <a:bodyPr/>
           <a:lstStyle/>
           <a:p>
             <a:pPr>
@@ -13200,6 +13287,36 @@
               <a:spcAft>
                 <a:spcPts val="1000"/>
               </a:spcAft>
+            </a:pPr>
+            <a:r>
+              <a:rPr lang="en-US" sz="1800" b="1" dirty="0">
+                <a:solidFill>
+                  <a:srgbClr val="000000"/>
+                </a:solidFill>
+                <a:effectLst/>
+                <a:latin typeface="Calibri" panose="020F0502020204030204" pitchFamily="34" charset="0"/>
+                <a:ea typeface="Calibri" panose="020F0502020204030204" pitchFamily="34" charset="0"/>
+                <a:cs typeface="Times New Roman" panose="02020603050405020304" pitchFamily="18" charset="0"/>
+              </a:rPr>
+              <a:t>Advantages :</a:t>
+            </a:r>
+            <a:endParaRPr lang="en-IN" sz="1800" dirty="0">
+              <a:solidFill>
+                <a:srgbClr val="000000"/>
+              </a:solidFill>
+              <a:effectLst/>
+              <a:latin typeface="Calibri" panose="020F0502020204030204" pitchFamily="34" charset="0"/>
+              <a:ea typeface="Calibri" panose="020F0502020204030204" pitchFamily="34" charset="0"/>
+              <a:cs typeface="Times New Roman" panose="02020603050405020304" pitchFamily="18" charset="0"/>
+            </a:endParaRPr>
+          </a:p>
+          <a:p>
+            <a:pPr marL="342900" lvl="0" indent="-342900">
+              <a:lnSpc>
+                <a:spcPct val="115000"/>
+              </a:lnSpc>
+              <a:buFont typeface="Symbol" panose="05050102010706020507" pitchFamily="18" charset="2"/>
+              <a:buChar char=""/>
             </a:pPr>
             <a:r>
               <a:rPr lang="en-US" sz="1800" dirty="0">
@@ -13211,7 +13328,7 @@
                 <a:ea typeface="Calibri" panose="020F0502020204030204" pitchFamily="34" charset="0"/>
                 <a:cs typeface="Times New Roman" panose="02020603050405020304" pitchFamily="18" charset="0"/>
               </a:rPr>
-              <a:t>This project and the analysis retrieved are useful not only for passengers point of view, but for every decision maker in the aviation industry. Apart from the financial losses incurred by the industry, flight delay also portray a negative reputation of the airlines, and decreases their reliability. It causes various sustainability issues, for example, increase in fuel consumption and gas emissions. The analysis carried</a:t>
+              <a:t>Perfect prediction of Risk along with the reason for Delay</a:t>
             </a:r>
             <a:endParaRPr lang="en-IN" sz="1800" dirty="0">
               <a:solidFill>
@@ -13224,13 +13341,12 @@
             </a:endParaRPr>
           </a:p>
           <a:p>
-            <a:pPr>
+            <a:pPr marL="342900" lvl="0" indent="-342900">
               <a:lnSpc>
                 <a:spcPct val="115000"/>
               </a:lnSpc>
-              <a:spcAft>
-                <a:spcPts val="1000"/>
-              </a:spcAft>
+              <a:buFont typeface="Symbol" panose="05050102010706020507" pitchFamily="18" charset="2"/>
+              <a:buChar char=""/>
             </a:pPr>
             <a:r>
               <a:rPr lang="en-US" sz="1800" dirty="0">
@@ -13242,7 +13358,7 @@
                 <a:ea typeface="Calibri" panose="020F0502020204030204" pitchFamily="34" charset="0"/>
                 <a:cs typeface="Times New Roman" panose="02020603050405020304" pitchFamily="18" charset="0"/>
               </a:rPr>
-              <a:t>here not only predicts delays based on the previous available data, but also give statistical description of airlines, their rankings based on their on-time performance, and delays with respect to time, showing the peak hours of delay. This project can be used as a prototype by any aviation authority for their benefit, in the Indian Scenario too, it can work as an efficient model or a proper prototype to study delay analysis, based on the real dataset provided. This project has</a:t>
+              <a:t>Very Accurate Results</a:t>
             </a:r>
             <a:endParaRPr lang="en-IN" sz="1800" dirty="0">
               <a:solidFill>
@@ -13255,13 +13371,12 @@
             </a:endParaRPr>
           </a:p>
           <a:p>
-            <a:pPr>
+            <a:pPr marL="342900" lvl="0" indent="-342900">
               <a:lnSpc>
                 <a:spcPct val="115000"/>
               </a:lnSpc>
-              <a:spcAft>
-                <a:spcPts val="1000"/>
-              </a:spcAft>
+              <a:buFont typeface="Symbol" panose="05050102010706020507" pitchFamily="18" charset="2"/>
+              <a:buChar char=""/>
             </a:pPr>
             <a:r>
               <a:rPr lang="en-US" sz="1800" dirty="0">
@@ -13273,7 +13388,7 @@
                 <a:ea typeface="Calibri" panose="020F0502020204030204" pitchFamily="34" charset="0"/>
                 <a:cs typeface="Times New Roman" panose="02020603050405020304" pitchFamily="18" charset="0"/>
               </a:rPr>
-              <a:t>encompassed and showed the importance of Regression Analysis in Machine Learning, Data Mining concepts for efficient data cleaning, Cross Validation technique and Regularization in ML for making proper models and its predictive analysis.</a:t>
+              <a:t>Extremely Easy Interface</a:t>
             </a:r>
             <a:endParaRPr lang="en-IN" sz="1800" dirty="0">
               <a:solidFill>
@@ -13286,9 +13401,103 @@
             </a:endParaRPr>
           </a:p>
           <a:p>
-            <a:pPr marL="0" indent="0">
-              <a:buNone/>
+            <a:pPr marL="342900" lvl="0" indent="-342900">
+              <a:lnSpc>
+                <a:spcPct val="115000"/>
+              </a:lnSpc>
+              <a:spcAft>
+                <a:spcPts val="1000"/>
+              </a:spcAft>
+              <a:buFont typeface="Symbol" panose="05050102010706020507" pitchFamily="18" charset="2"/>
+              <a:buChar char=""/>
             </a:pPr>
+            <a:r>
+              <a:rPr lang="en-US" sz="1800" dirty="0">
+                <a:solidFill>
+                  <a:srgbClr val="000000"/>
+                </a:solidFill>
+                <a:effectLst/>
+                <a:latin typeface="Calibri" panose="020F0502020204030204" pitchFamily="34" charset="0"/>
+                <a:ea typeface="Calibri" panose="020F0502020204030204" pitchFamily="34" charset="0"/>
+                <a:cs typeface="Times New Roman" panose="02020603050405020304" pitchFamily="18" charset="0"/>
+              </a:rPr>
+              <a:t>Straight Forward Results</a:t>
+            </a:r>
+            <a:endParaRPr lang="en-IN" sz="1800" dirty="0">
+              <a:solidFill>
+                <a:srgbClr val="000000"/>
+              </a:solidFill>
+              <a:effectLst/>
+              <a:latin typeface="Calibri" panose="020F0502020204030204" pitchFamily="34" charset="0"/>
+              <a:ea typeface="Calibri" panose="020F0502020204030204" pitchFamily="34" charset="0"/>
+              <a:cs typeface="Times New Roman" panose="02020603050405020304" pitchFamily="18" charset="0"/>
+            </a:endParaRPr>
+          </a:p>
+          <a:p>
+            <a:pPr>
+              <a:lnSpc>
+                <a:spcPct val="115000"/>
+              </a:lnSpc>
+              <a:spcAft>
+                <a:spcPts val="1000"/>
+              </a:spcAft>
+            </a:pPr>
+            <a:r>
+              <a:rPr lang="en-US" sz="1800" b="1" dirty="0">
+                <a:solidFill>
+                  <a:srgbClr val="000000"/>
+                </a:solidFill>
+                <a:effectLst/>
+                <a:latin typeface="Calibri" panose="020F0502020204030204" pitchFamily="34" charset="0"/>
+                <a:ea typeface="Calibri" panose="020F0502020204030204" pitchFamily="34" charset="0"/>
+                <a:cs typeface="Times New Roman" panose="02020603050405020304" pitchFamily="18" charset="0"/>
+              </a:rPr>
+              <a:t>Disadvantages :</a:t>
+            </a:r>
+            <a:endParaRPr lang="en-IN" sz="1800" dirty="0">
+              <a:solidFill>
+                <a:srgbClr val="000000"/>
+              </a:solidFill>
+              <a:effectLst/>
+              <a:latin typeface="Calibri" panose="020F0502020204030204" pitchFamily="34" charset="0"/>
+              <a:ea typeface="Calibri" panose="020F0502020204030204" pitchFamily="34" charset="0"/>
+              <a:cs typeface="Times New Roman" panose="02020603050405020304" pitchFamily="18" charset="0"/>
+            </a:endParaRPr>
+          </a:p>
+          <a:p>
+            <a:pPr marL="342900" lvl="0" indent="-342900">
+              <a:lnSpc>
+                <a:spcPct val="115000"/>
+              </a:lnSpc>
+              <a:spcAft>
+                <a:spcPts val="1000"/>
+              </a:spcAft>
+              <a:buFont typeface="Symbol" panose="05050102010706020507" pitchFamily="18" charset="2"/>
+              <a:buChar char=""/>
+            </a:pPr>
+            <a:r>
+              <a:rPr lang="en-US" sz="1800" dirty="0">
+                <a:solidFill>
+                  <a:srgbClr val="000000"/>
+                </a:solidFill>
+                <a:effectLst/>
+                <a:latin typeface="Calibri" panose="020F0502020204030204" pitchFamily="34" charset="0"/>
+                <a:ea typeface="Calibri" panose="020F0502020204030204" pitchFamily="34" charset="0"/>
+                <a:cs typeface="Times New Roman" panose="02020603050405020304" pitchFamily="18" charset="0"/>
+              </a:rPr>
+              <a:t>User Should have the idea on inputs</a:t>
+            </a:r>
+            <a:endParaRPr lang="en-IN" sz="1800" dirty="0">
+              <a:solidFill>
+                <a:srgbClr val="000000"/>
+              </a:solidFill>
+              <a:effectLst/>
+              <a:latin typeface="Calibri" panose="020F0502020204030204" pitchFamily="34" charset="0"/>
+              <a:ea typeface="Calibri" panose="020F0502020204030204" pitchFamily="34" charset="0"/>
+              <a:cs typeface="Times New Roman" panose="02020603050405020304" pitchFamily="18" charset="0"/>
+            </a:endParaRPr>
+          </a:p>
+          <a:p>
             <a:endParaRPr lang="en-IN" dirty="0"/>
           </a:p>
         </p:txBody>
@@ -13298,7 +13507,7 @@
           <p:cNvPr id="4" name="Slide Number Placeholder 3">
             <a:extLst>
               <a:ext uri="{FF2B5EF4-FFF2-40B4-BE49-F238E27FC236}">
-                <a16:creationId xmlns:a16="http://schemas.microsoft.com/office/drawing/2014/main" id="{9D71C4CF-BB81-4F0C-BDA0-27D539B00343}"/>
+                <a16:creationId xmlns:a16="http://schemas.microsoft.com/office/drawing/2014/main" id="{0D0DC160-3EC7-4BEC-8D69-A2CBB5DD7603}"/>
               </a:ext>
             </a:extLst>
           </p:cNvPr>
@@ -13325,7 +13534,7 @@
     </p:spTree>
     <p:extLst>
       <p:ext uri="{BB962C8B-B14F-4D97-AF65-F5344CB8AC3E}">
-        <p14:creationId xmlns:p14="http://schemas.microsoft.com/office/powerpoint/2010/main" val="4151504497"/>
+        <p14:creationId xmlns:p14="http://schemas.microsoft.com/office/powerpoint/2010/main" val="4283659712"/>
       </p:ext>
     </p:extLst>
   </p:cSld>
@@ -13354,10 +13563,10 @@
       </p:grpSpPr>
       <p:sp>
         <p:nvSpPr>
-          <p:cNvPr id="22" name="Date Placeholder 21">
-            <a:extLst>
-              <a:ext uri="{FF2B5EF4-FFF2-40B4-BE49-F238E27FC236}">
-                <a16:creationId xmlns:a16="http://schemas.microsoft.com/office/drawing/2014/main" id="{692474E6-3035-46B8-9C05-9B4204E8ED39}"/>
+          <p:cNvPr id="2" name="Title 1">
+            <a:extLst>
+              <a:ext uri="{FF2B5EF4-FFF2-40B4-BE49-F238E27FC236}">
+                <a16:creationId xmlns:a16="http://schemas.microsoft.com/office/drawing/2014/main" id="{A836590C-C324-4352-9980-82D0955783E2}"/>
               </a:ext>
             </a:extLst>
           </p:cNvPr>
@@ -13365,7 +13574,7 @@
             <a:spLocks noGrp="1"/>
           </p:cNvSpPr>
           <p:nvPr>
-            <p:ph type="dt" sz="half" idx="10"/>
+            <p:ph type="title"/>
           </p:nvPr>
         </p:nvSpPr>
         <p:spPr/>
@@ -13374,18 +13583,141 @@
           <a:lstStyle/>
           <a:p>
             <a:r>
-              <a:rPr lang="en-US" dirty="0"/>
-              <a:t>7/12/2020</a:t>
-            </a:r>
-          </a:p>
-        </p:txBody>
-      </p:sp>
-      <p:sp>
-        <p:nvSpPr>
-          <p:cNvPr id="24" name="Slide Number Placeholder 23">
-            <a:extLst>
-              <a:ext uri="{FF2B5EF4-FFF2-40B4-BE49-F238E27FC236}">
-                <a16:creationId xmlns:a16="http://schemas.microsoft.com/office/drawing/2014/main" id="{5D838446-B95D-4AB7-B8CA-D5804BB79A11}"/>
+              <a:rPr lang="en-IN" dirty="0"/>
+              <a:t>Conclusion</a:t>
+            </a:r>
+          </a:p>
+        </p:txBody>
+      </p:sp>
+      <p:sp>
+        <p:nvSpPr>
+          <p:cNvPr id="3" name="Content Placeholder 2">
+            <a:extLst>
+              <a:ext uri="{FF2B5EF4-FFF2-40B4-BE49-F238E27FC236}">
+                <a16:creationId xmlns:a16="http://schemas.microsoft.com/office/drawing/2014/main" id="{594A9027-882F-4E3A-8E9C-6B113536A593}"/>
+              </a:ext>
+            </a:extLst>
+          </p:cNvPr>
+          <p:cNvSpPr>
+            <a:spLocks noGrp="1"/>
+          </p:cNvSpPr>
+          <p:nvPr>
+            <p:ph idx="1"/>
+          </p:nvPr>
+        </p:nvSpPr>
+        <p:spPr/>
+        <p:txBody>
+          <a:bodyPr>
+            <a:normAutofit lnSpcReduction="10000"/>
+          </a:bodyPr>
+          <a:lstStyle/>
+          <a:p>
+            <a:pPr>
+              <a:lnSpc>
+                <a:spcPct val="115000"/>
+              </a:lnSpc>
+              <a:spcAft>
+                <a:spcPts val="1000"/>
+              </a:spcAft>
+            </a:pPr>
+            <a:r>
+              <a:rPr lang="en-US" sz="1800" dirty="0">
+                <a:solidFill>
+                  <a:srgbClr val="000000"/>
+                </a:solidFill>
+                <a:effectLst/>
+                <a:latin typeface="Calibri" panose="020F0502020204030204" pitchFamily="34" charset="0"/>
+                <a:ea typeface="Calibri" panose="020F0502020204030204" pitchFamily="34" charset="0"/>
+                <a:cs typeface="Times New Roman" panose="02020603050405020304" pitchFamily="18" charset="0"/>
+              </a:rPr>
+              <a:t>This project and the analysis retrieved are useful not only for passengers point of view, but for every decision maker in the aviation industry. Apart from the financial losses incurred by the industry, flight delay also portray a negative reputation of the airlines, and decreases their reliability. It causes various sustainability issues, for example, increase in fuel consumption and gas emissions. The analysis carried</a:t>
+            </a:r>
+            <a:endParaRPr lang="en-IN" sz="1800" dirty="0">
+              <a:solidFill>
+                <a:srgbClr val="000000"/>
+              </a:solidFill>
+              <a:effectLst/>
+              <a:latin typeface="Calibri" panose="020F0502020204030204" pitchFamily="34" charset="0"/>
+              <a:ea typeface="Calibri" panose="020F0502020204030204" pitchFamily="34" charset="0"/>
+              <a:cs typeface="Times New Roman" panose="02020603050405020304" pitchFamily="18" charset="0"/>
+            </a:endParaRPr>
+          </a:p>
+          <a:p>
+            <a:pPr>
+              <a:lnSpc>
+                <a:spcPct val="115000"/>
+              </a:lnSpc>
+              <a:spcAft>
+                <a:spcPts val="1000"/>
+              </a:spcAft>
+            </a:pPr>
+            <a:r>
+              <a:rPr lang="en-US" sz="1800" dirty="0">
+                <a:solidFill>
+                  <a:srgbClr val="000000"/>
+                </a:solidFill>
+                <a:effectLst/>
+                <a:latin typeface="Calibri" panose="020F0502020204030204" pitchFamily="34" charset="0"/>
+                <a:ea typeface="Calibri" panose="020F0502020204030204" pitchFamily="34" charset="0"/>
+                <a:cs typeface="Times New Roman" panose="02020603050405020304" pitchFamily="18" charset="0"/>
+              </a:rPr>
+              <a:t>here not only predicts delays based on the previous available data, but also give statistical description of airlines, their rankings based on their on-time performance, and delays with respect to time, showing the peak hours of delay. This project can be used as a prototype by any aviation authority for their benefit, in the Indian Scenario too, it can work as an efficient model or a proper prototype to study delay analysis, based on the real dataset provided. This project has</a:t>
+            </a:r>
+            <a:endParaRPr lang="en-IN" sz="1800" dirty="0">
+              <a:solidFill>
+                <a:srgbClr val="000000"/>
+              </a:solidFill>
+              <a:effectLst/>
+              <a:latin typeface="Calibri" panose="020F0502020204030204" pitchFamily="34" charset="0"/>
+              <a:ea typeface="Calibri" panose="020F0502020204030204" pitchFamily="34" charset="0"/>
+              <a:cs typeface="Times New Roman" panose="02020603050405020304" pitchFamily="18" charset="0"/>
+            </a:endParaRPr>
+          </a:p>
+          <a:p>
+            <a:pPr>
+              <a:lnSpc>
+                <a:spcPct val="115000"/>
+              </a:lnSpc>
+              <a:spcAft>
+                <a:spcPts val="1000"/>
+              </a:spcAft>
+            </a:pPr>
+            <a:r>
+              <a:rPr lang="en-US" sz="1800" dirty="0">
+                <a:solidFill>
+                  <a:srgbClr val="000000"/>
+                </a:solidFill>
+                <a:effectLst/>
+                <a:latin typeface="Calibri" panose="020F0502020204030204" pitchFamily="34" charset="0"/>
+                <a:ea typeface="Calibri" panose="020F0502020204030204" pitchFamily="34" charset="0"/>
+                <a:cs typeface="Times New Roman" panose="02020603050405020304" pitchFamily="18" charset="0"/>
+              </a:rPr>
+              <a:t>encompassed and showed the importance of Regression Analysis in Machine Learning, Data Mining concepts for efficient data cleaning, Cross Validation technique and Regularization in ML for making proper models and its predictive analysis.</a:t>
+            </a:r>
+            <a:endParaRPr lang="en-IN" sz="1800" dirty="0">
+              <a:solidFill>
+                <a:srgbClr val="000000"/>
+              </a:solidFill>
+              <a:effectLst/>
+              <a:latin typeface="Calibri" panose="020F0502020204030204" pitchFamily="34" charset="0"/>
+              <a:ea typeface="Calibri" panose="020F0502020204030204" pitchFamily="34" charset="0"/>
+              <a:cs typeface="Times New Roman" panose="02020603050405020304" pitchFamily="18" charset="0"/>
+            </a:endParaRPr>
+          </a:p>
+          <a:p>
+            <a:pPr marL="0" indent="0">
+              <a:buNone/>
+            </a:pPr>
+            <a:endParaRPr lang="en-IN" dirty="0"/>
+          </a:p>
+        </p:txBody>
+      </p:sp>
+      <p:sp>
+        <p:nvSpPr>
+          <p:cNvPr id="4" name="Slide Number Placeholder 3">
+            <a:extLst>
+              <a:ext uri="{FF2B5EF4-FFF2-40B4-BE49-F238E27FC236}">
+                <a16:creationId xmlns:a16="http://schemas.microsoft.com/office/drawing/2014/main" id="{9D71C4CF-BB81-4F0C-BDA0-27D539B00343}"/>
               </a:ext>
             </a:extLst>
           </p:cNvPr>
@@ -13403,228 +13735,16 @@
           <a:p>
             <a:fld id="{D8DA9DAA-006C-4F4B-980E-E3DF019B24E2}" type="slidenum">
               <a:rPr lang="en-US" smtClean="0"/>
-              <a:pPr/>
               <a:t>9</a:t>
             </a:fld>
             <a:endParaRPr lang="en-US" dirty="0"/>
           </a:p>
         </p:txBody>
       </p:sp>
-      <p:sp>
-        <p:nvSpPr>
-          <p:cNvPr id="23" name="Footer Placeholder 22">
-            <a:extLst>
-              <a:ext uri="{FF2B5EF4-FFF2-40B4-BE49-F238E27FC236}">
-                <a16:creationId xmlns:a16="http://schemas.microsoft.com/office/drawing/2014/main" id="{DE8D546E-0F46-4CC0-B2B1-8B2430D00C0C}"/>
-              </a:ext>
-            </a:extLst>
-          </p:cNvPr>
-          <p:cNvSpPr>
-            <a:spLocks noGrp="1"/>
-          </p:cNvSpPr>
-          <p:nvPr>
-            <p:ph type="ftr" sz="quarter" idx="11"/>
-          </p:nvPr>
-        </p:nvSpPr>
-        <p:spPr/>
-        <p:txBody>
-          <a:bodyPr/>
-          <a:lstStyle/>
-          <a:p>
-            <a:r>
-              <a:rPr lang="en-US" sz="1200" spc="400" dirty="0">
-                <a:solidFill>
-                  <a:schemeClr val="bg1"/>
-                </a:solidFill>
-              </a:rPr>
-              <a:t>Flight Delay Prediction</a:t>
-            </a:r>
-            <a:endParaRPr lang="en-US" dirty="0"/>
-          </a:p>
-        </p:txBody>
-      </p:sp>
-      <p:pic>
-        <p:nvPicPr>
-          <p:cNvPr id="9" name="Picture Placeholder 8" descr="mountains at sunset">
-            <a:extLst>
-              <a:ext uri="{FF2B5EF4-FFF2-40B4-BE49-F238E27FC236}">
-                <a16:creationId xmlns:a16="http://schemas.microsoft.com/office/drawing/2014/main" id="{C82DA925-978C-48A9-98AD-0653B7A3D2D9}"/>
-              </a:ext>
-            </a:extLst>
-          </p:cNvPr>
-          <p:cNvPicPr>
-            <a:picLocks noGrp="1" noChangeAspect="1"/>
-          </p:cNvPicPr>
-          <p:nvPr>
-            <p:ph type="pic" sz="quarter" idx="14"/>
-          </p:nvPr>
-        </p:nvPicPr>
-        <p:blipFill rotWithShape="1">
-          <a:blip r:embed="rId2"/>
-          <a:srcRect t="41" b="41"/>
-          <a:stretch/>
-        </p:blipFill>
-        <p:spPr/>
-      </p:pic>
-      <p:pic>
-        <p:nvPicPr>
-          <p:cNvPr id="11" name="Picture Placeholder 10" descr="mountains at sunset">
-            <a:extLst>
-              <a:ext uri="{FF2B5EF4-FFF2-40B4-BE49-F238E27FC236}">
-                <a16:creationId xmlns:a16="http://schemas.microsoft.com/office/drawing/2014/main" id="{E63B7C3F-04A4-43F6-881D-FA11061CBAFA}"/>
-              </a:ext>
-            </a:extLst>
-          </p:cNvPr>
-          <p:cNvPicPr>
-            <a:picLocks noGrp="1" noChangeAspect="1"/>
-          </p:cNvPicPr>
-          <p:nvPr>
-            <p:ph type="pic" sz="quarter" idx="15"/>
-          </p:nvPr>
-        </p:nvPicPr>
-        <p:blipFill rotWithShape="1">
-          <a:blip r:embed="rId3"/>
-          <a:srcRect t="347" b="347"/>
-          <a:stretch/>
-        </p:blipFill>
-        <p:spPr/>
-      </p:pic>
-      <p:sp>
-        <p:nvSpPr>
-          <p:cNvPr id="6" name="Title 5">
-            <a:extLst>
-              <a:ext uri="{FF2B5EF4-FFF2-40B4-BE49-F238E27FC236}">
-                <a16:creationId xmlns:a16="http://schemas.microsoft.com/office/drawing/2014/main" id="{FF777B66-94CB-491C-AC6B-BDAC98E21D57}"/>
-              </a:ext>
-            </a:extLst>
-          </p:cNvPr>
-          <p:cNvSpPr>
-            <a:spLocks noGrp="1"/>
-          </p:cNvSpPr>
-          <p:nvPr>
-            <p:ph type="title"/>
-          </p:nvPr>
-        </p:nvSpPr>
-        <p:spPr>
-          <a:xfrm>
-            <a:off x="5760720" y="602971"/>
-            <a:ext cx="5276088" cy="2276856"/>
-          </a:xfrm>
-        </p:spPr>
-        <p:txBody>
-          <a:bodyPr/>
-          <a:lstStyle/>
-          <a:p>
-            <a:r>
-              <a:rPr lang="en-US" dirty="0"/>
-              <a:t>Thank you</a:t>
-            </a:r>
-          </a:p>
-        </p:txBody>
-      </p:sp>
-      <p:sp>
-        <p:nvSpPr>
-          <p:cNvPr id="7" name="Text Placeholder 6">
-            <a:extLst>
-              <a:ext uri="{FF2B5EF4-FFF2-40B4-BE49-F238E27FC236}">
-                <a16:creationId xmlns:a16="http://schemas.microsoft.com/office/drawing/2014/main" id="{42AF1107-8D35-4E35-93C7-D3640946F742}"/>
-              </a:ext>
-            </a:extLst>
-          </p:cNvPr>
-          <p:cNvSpPr>
-            <a:spLocks noGrp="1"/>
-          </p:cNvSpPr>
-          <p:nvPr>
-            <p:ph type="body" sz="quarter" idx="13"/>
-          </p:nvPr>
-        </p:nvSpPr>
-        <p:spPr>
-          <a:xfrm>
-            <a:off x="5760720" y="3127248"/>
-            <a:ext cx="5276088" cy="1187300"/>
-          </a:xfrm>
-        </p:spPr>
-        <p:txBody>
-          <a:bodyPr>
-            <a:normAutofit fontScale="85000" lnSpcReduction="20000"/>
-          </a:bodyPr>
-          <a:lstStyle/>
-          <a:p>
-            <a:r>
-              <a:rPr lang="en-US" dirty="0"/>
-              <a:t>Krishna Chaitanya 57</a:t>
-            </a:r>
-          </a:p>
-          <a:p>
-            <a:r>
-              <a:rPr lang="en-US" dirty="0"/>
-              <a:t>Amruth 46</a:t>
-            </a:r>
-          </a:p>
-          <a:p>
-            <a:r>
-              <a:rPr lang="en-US" dirty="0"/>
-              <a:t>Surya 52</a:t>
-            </a:r>
-          </a:p>
-          <a:p>
-            <a:r>
-              <a:rPr lang="en-US" dirty="0"/>
-              <a:t>Aditi Shree 04</a:t>
-            </a:r>
-          </a:p>
-        </p:txBody>
-      </p:sp>
-      <p:pic>
-        <p:nvPicPr>
-          <p:cNvPr id="15" name="Picture Placeholder 14" descr="mountains under near dusk sky">
-            <a:extLst>
-              <a:ext uri="{FF2B5EF4-FFF2-40B4-BE49-F238E27FC236}">
-                <a16:creationId xmlns:a16="http://schemas.microsoft.com/office/drawing/2014/main" id="{3D15FDC1-74B5-4FD8-BD17-0E2502C411A6}"/>
-              </a:ext>
-            </a:extLst>
-          </p:cNvPr>
-          <p:cNvPicPr>
-            <a:picLocks noGrp="1" noChangeAspect="1"/>
-          </p:cNvPicPr>
-          <p:nvPr>
-            <p:ph type="pic" sz="quarter" idx="17"/>
-          </p:nvPr>
-        </p:nvPicPr>
-        <p:blipFill rotWithShape="1">
-          <a:blip r:embed="rId4"/>
-          <a:srcRect l="16" r="16"/>
-          <a:stretch/>
-        </p:blipFill>
-        <p:spPr/>
-      </p:pic>
-      <p:pic>
-        <p:nvPicPr>
-          <p:cNvPr id="13" name="Picture Placeholder 12" descr="mountains under the night sky just before dawn">
-            <a:extLst>
-              <a:ext uri="{FF2B5EF4-FFF2-40B4-BE49-F238E27FC236}">
-                <a16:creationId xmlns:a16="http://schemas.microsoft.com/office/drawing/2014/main" id="{E02C4914-F076-4415-9C5D-A9BDB6CC6110}"/>
-              </a:ext>
-            </a:extLst>
-          </p:cNvPr>
-          <p:cNvPicPr>
-            <a:picLocks noGrp="1" noChangeAspect="1"/>
-          </p:cNvPicPr>
-          <p:nvPr>
-            <p:ph type="pic" sz="quarter" idx="16"/>
-          </p:nvPr>
-        </p:nvPicPr>
-        <p:blipFill rotWithShape="1">
-          <a:blip r:embed="rId5"/>
-          <a:srcRect t="108" b="108"/>
-          <a:stretch/>
-        </p:blipFill>
-        <p:spPr/>
-      </p:pic>
     </p:spTree>
     <p:extLst>
       <p:ext uri="{BB962C8B-B14F-4D97-AF65-F5344CB8AC3E}">
-        <p14:creationId xmlns:p14="http://schemas.microsoft.com/office/powerpoint/2010/main" val="927313156"/>
+        <p14:creationId xmlns:p14="http://schemas.microsoft.com/office/powerpoint/2010/main" val="4151504497"/>
       </p:ext>
     </p:extLst>
   </p:cSld>
@@ -14131,24 +14251,6 @@
 </file>
 
 <file path=customXml/item1.xml><?xml version="1.0" encoding="utf-8"?>
-<p:properties xmlns:p="http://schemas.microsoft.com/office/2006/metadata/properties" xmlns:xsi="http://www.w3.org/2001/XMLSchema-instance" xmlns:pc="http://schemas.microsoft.com/office/infopath/2007/PartnerControls">
-  <documentManagement>
-    <Status xmlns="71af3243-3dd4-4a8d-8c0d-dd76da1f02a5">Not started</Status>
-    <MediaServiceKeyPoints xmlns="71af3243-3dd4-4a8d-8c0d-dd76da1f02a5" xsi:nil="true"/>
-  </documentManagement>
-</p:properties>
-</file>
-
-<file path=customXml/item2.xml><?xml version="1.0" encoding="utf-8"?>
-<?mso-contentType ?>
-<FormTemplates xmlns="http://schemas.microsoft.com/sharepoint/v3/contenttype/forms">
-  <Display>DocumentLibraryForm</Display>
-  <Edit>DocumentLibraryForm</Edit>
-  <New>DocumentLibraryForm</New>
-</FormTemplates>
-</file>
-
-<file path=customXml/item3.xml><?xml version="1.0" encoding="utf-8"?>
 <ct:contentTypeSchema xmlns:ct="http://schemas.microsoft.com/office/2006/metadata/contentType" xmlns:ma="http://schemas.microsoft.com/office/2006/metadata/properties/metaAttributes" ct:_="" ma:_="" ma:contentTypeName="Document" ma:contentTypeID="0x01010079F111ED35F8CC479449609E8A0923A6" ma:contentTypeVersion="12" ma:contentTypeDescription="Create a new document." ma:contentTypeScope="" ma:versionID="426e97fa315356fffbdcd9876fe988c2">
   <xsd:schema xmlns:xsd="http://www.w3.org/2001/XMLSchema" xmlns:xs="http://www.w3.org/2001/XMLSchema" xmlns:p="http://schemas.microsoft.com/office/2006/metadata/properties" xmlns:ns2="71af3243-3dd4-4a8d-8c0d-dd76da1f02a5" xmlns:ns3="16c05727-aa75-4e4a-9b5f-8a80a1165891" targetNamespace="http://schemas.microsoft.com/office/2006/metadata/properties" ma:root="true" ma:fieldsID="14b8f0def80e6d70ce3def20c90759ae" ns2:_="" ns3:_="">
     <xsd:import namespace="71af3243-3dd4-4a8d-8c0d-dd76da1f02a5"/>
@@ -14369,25 +14471,25 @@
 </ct:contentTypeSchema>
 </file>
 
-<file path=customXml/itemProps1.xml><?xml version="1.0" encoding="utf-8"?>
-<ds:datastoreItem xmlns:ds="http://schemas.openxmlformats.org/officeDocument/2006/customXml" ds:itemID="{99919F73-B6C2-4A43-95E2-833EC48925FE}">
-  <ds:schemaRefs>
-    <ds:schemaRef ds:uri="http://schemas.microsoft.com/office/2006/metadata/properties"/>
-    <ds:schemaRef ds:uri="http://schemas.microsoft.com/office/infopath/2007/PartnerControls"/>
-    <ds:schemaRef ds:uri="71af3243-3dd4-4a8d-8c0d-dd76da1f02a5"/>
-  </ds:schemaRefs>
-</ds:datastoreItem>
+<file path=customXml/item2.xml><?xml version="1.0" encoding="utf-8"?>
+<?mso-contentType ?>
+<FormTemplates xmlns="http://schemas.microsoft.com/sharepoint/v3/contenttype/forms">
+  <Display>DocumentLibraryForm</Display>
+  <Edit>DocumentLibraryForm</Edit>
+  <New>DocumentLibraryForm</New>
+</FormTemplates>
 </file>
 
-<file path=customXml/itemProps2.xml><?xml version="1.0" encoding="utf-8"?>
-<ds:datastoreItem xmlns:ds="http://schemas.openxmlformats.org/officeDocument/2006/customXml" ds:itemID="{3C8E00D1-8EA3-4E42-801D-0253E1EAFC21}">
-  <ds:schemaRefs>
-    <ds:schemaRef ds:uri="http://schemas.microsoft.com/sharepoint/v3/contenttype/forms"/>
-  </ds:schemaRefs>
-</ds:datastoreItem>
+<file path=customXml/item3.xml><?xml version="1.0" encoding="utf-8"?>
+<p:properties xmlns:p="http://schemas.microsoft.com/office/2006/metadata/properties" xmlns:xsi="http://www.w3.org/2001/XMLSchema-instance" xmlns:pc="http://schemas.microsoft.com/office/infopath/2007/PartnerControls">
+  <documentManagement>
+    <Status xmlns="71af3243-3dd4-4a8d-8c0d-dd76da1f02a5">Not started</Status>
+    <MediaServiceKeyPoints xmlns="71af3243-3dd4-4a8d-8c0d-dd76da1f02a5" xsi:nil="true"/>
+  </documentManagement>
+</p:properties>
 </file>
 
-<file path=customXml/itemProps3.xml><?xml version="1.0" encoding="utf-8"?>
+<file path=customXml/itemProps1.xml><?xml version="1.0" encoding="utf-8"?>
 <ds:datastoreItem xmlns:ds="http://schemas.openxmlformats.org/officeDocument/2006/customXml" ds:itemID="{ABC329F5-30EE-4BF7-AA2A-B837B51416B4}">
   <ds:schemaRefs>
     <ds:schemaRef ds:uri="http://schemas.microsoft.com/office/2006/metadata/contentType"/>
@@ -14404,4 +14506,22 @@
     <ds:schemaRef ds:uri="http://schemas.microsoft.com/internal/obd"/>
   </ds:schemaRefs>
 </ds:datastoreItem>
+</file>
+
+<file path=customXml/itemProps2.xml><?xml version="1.0" encoding="utf-8"?>
+<ds:datastoreItem xmlns:ds="http://schemas.openxmlformats.org/officeDocument/2006/customXml" ds:itemID="{3C8E00D1-8EA3-4E42-801D-0253E1EAFC21}">
+  <ds:schemaRefs>
+    <ds:schemaRef ds:uri="http://schemas.microsoft.com/sharepoint/v3/contenttype/forms"/>
+  </ds:schemaRefs>
+</ds:datastoreItem>
+</file>
+
+<file path=customXml/itemProps3.xml><?xml version="1.0" encoding="utf-8"?>
+<ds:datastoreItem xmlns:ds="http://schemas.openxmlformats.org/officeDocument/2006/customXml" ds:itemID="{99919F73-B6C2-4A43-95E2-833EC48925FE}">
+  <ds:schemaRefs>
+    <ds:schemaRef ds:uri="http://schemas.microsoft.com/office/2006/metadata/properties"/>
+    <ds:schemaRef ds:uri="http://schemas.microsoft.com/office/infopath/2007/PartnerControls"/>
+    <ds:schemaRef ds:uri="71af3243-3dd4-4a8d-8c0d-dd76da1f02a5"/>
+  </ds:schemaRefs>
+</ds:datastoreItem>
 </file>